--- a/Presentation.pptx
+++ b/Presentation.pptx
@@ -10,15 +10,14 @@
     <p:sldId id="257" r:id="rId4"/>
     <p:sldId id="258" r:id="rId5"/>
     <p:sldId id="259" r:id="rId6"/>
-    <p:sldId id="261" r:id="rId7"/>
-    <p:sldId id="262" r:id="rId8"/>
-    <p:sldId id="263" r:id="rId9"/>
-    <p:sldId id="264" r:id="rId10"/>
-    <p:sldId id="265" r:id="rId11"/>
-    <p:sldId id="266" r:id="rId12"/>
-    <p:sldId id="267" r:id="rId13"/>
-    <p:sldId id="268" r:id="rId14"/>
-    <p:sldId id="269" r:id="rId15"/>
+    <p:sldId id="262" r:id="rId7"/>
+    <p:sldId id="263" r:id="rId8"/>
+    <p:sldId id="264" r:id="rId9"/>
+    <p:sldId id="265" r:id="rId10"/>
+    <p:sldId id="266" r:id="rId11"/>
+    <p:sldId id="267" r:id="rId12"/>
+    <p:sldId id="268" r:id="rId13"/>
+    <p:sldId id="269" r:id="rId14"/>
   </p:sldIdLst>
   <p:sldSz cx="12192000" cy="6858000"/>
   <p:notesSz cx="6858000" cy="9144000"/>
@@ -117,6 +116,11 @@
       </a:defRPr>
     </a:lvl9pPr>
   </p:defaultTextStyle>
+  <p:extLst>
+    <p:ext uri="{EFAFB233-063F-42B5-8137-9DF3F51BA10A}">
+      <p15:sldGuideLst xmlns:p15="http://schemas.microsoft.com/office/powerpoint/2012/main"/>
+    </p:ext>
+  </p:extLst>
 </p:presentation>
 </file>
 
@@ -5873,123 +5877,6 @@
           <p:cNvPr id="2" name="Title 1">
             <a:extLst>
               <a:ext uri="{FF2B5EF4-FFF2-40B4-BE49-F238E27FC236}">
-                <a16:creationId xmlns:a16="http://schemas.microsoft.com/office/drawing/2014/main" id="{7B86D139-0248-1F4C-AEFA-5E9F866B4422}"/>
-              </a:ext>
-            </a:extLst>
-          </p:cNvPr>
-          <p:cNvSpPr>
-            <a:spLocks noGrp="1"/>
-          </p:cNvSpPr>
-          <p:nvPr>
-            <p:ph type="title"/>
-          </p:nvPr>
-        </p:nvSpPr>
-        <p:spPr/>
-        <p:txBody>
-          <a:bodyPr/>
-          <a:lstStyle/>
-          <a:p>
-            <a:r>
-              <a:rPr lang="en-US" dirty="0"/>
-              <a:t>CONVERT TYPE, EXTRACT NEW COLUMNS</a:t>
-            </a:r>
-          </a:p>
-        </p:txBody>
-      </p:sp>
-      <p:pic>
-        <p:nvPicPr>
-          <p:cNvPr id="5" name="Content Placeholder 4" descr="A picture containing drawing&#10;&#10;Description automatically generated">
-            <a:extLst>
-              <a:ext uri="{FF2B5EF4-FFF2-40B4-BE49-F238E27FC236}">
-                <a16:creationId xmlns:a16="http://schemas.microsoft.com/office/drawing/2014/main" id="{0DF6241D-1D7D-324D-B95B-D5BFCF5A6A8A}"/>
-              </a:ext>
-            </a:extLst>
-          </p:cNvPr>
-          <p:cNvPicPr>
-            <a:picLocks noGrp="1" noChangeAspect="1"/>
-          </p:cNvPicPr>
-          <p:nvPr>
-            <p:ph idx="1"/>
-          </p:nvPr>
-        </p:nvPicPr>
-        <p:blipFill>
-          <a:blip r:embed="rId2"/>
-          <a:stretch>
-            <a:fillRect/>
-          </a:stretch>
-        </p:blipFill>
-        <p:spPr>
-          <a:xfrm>
-            <a:off x="685801" y="2628251"/>
-            <a:ext cx="4744351" cy="2885858"/>
-          </a:xfrm>
-        </p:spPr>
-      </p:pic>
-      <p:pic>
-        <p:nvPicPr>
-          <p:cNvPr id="7" name="Picture 6" descr="A screenshot of a cell phone&#10;&#10;Description automatically generated">
-            <a:extLst>
-              <a:ext uri="{FF2B5EF4-FFF2-40B4-BE49-F238E27FC236}">
-                <a16:creationId xmlns:a16="http://schemas.microsoft.com/office/drawing/2014/main" id="{0CA1E8E6-FF3C-2E4B-AF93-52FC77B64F84}"/>
-              </a:ext>
-            </a:extLst>
-          </p:cNvPr>
-          <p:cNvPicPr>
-            <a:picLocks noChangeAspect="1"/>
-          </p:cNvPicPr>
-          <p:nvPr/>
-        </p:nvPicPr>
-        <p:blipFill>
-          <a:blip r:embed="rId3"/>
-          <a:stretch>
-            <a:fillRect/>
-          </a:stretch>
-        </p:blipFill>
-        <p:spPr>
-          <a:xfrm>
-            <a:off x="6289964" y="2617127"/>
-            <a:ext cx="4527262" cy="2966548"/>
-          </a:xfrm>
-          <a:prstGeom prst="rect">
-            <a:avLst/>
-          </a:prstGeom>
-        </p:spPr>
-      </p:pic>
-    </p:spTree>
-    <p:extLst>
-      <p:ext uri="{BB962C8B-B14F-4D97-AF65-F5344CB8AC3E}">
-        <p14:creationId xmlns:p14="http://schemas.microsoft.com/office/powerpoint/2010/main" val="3291541513"/>
-      </p:ext>
-    </p:extLst>
-  </p:cSld>
-  <p:clrMapOvr>
-    <a:masterClrMapping/>
-  </p:clrMapOvr>
-</p:sld>
-</file>
-
-<file path=ppt/slides/slide11.xml><?xml version="1.0" encoding="utf-8"?>
-<p:sld xmlns:a="http://schemas.openxmlformats.org/drawingml/2006/main" xmlns:r="http://schemas.openxmlformats.org/officeDocument/2006/relationships" xmlns:p="http://schemas.openxmlformats.org/presentationml/2006/main">
-  <p:cSld>
-    <p:spTree>
-      <p:nvGrpSpPr>
-        <p:cNvPr id="1" name=""/>
-        <p:cNvGrpSpPr/>
-        <p:nvPr/>
-      </p:nvGrpSpPr>
-      <p:grpSpPr>
-        <a:xfrm>
-          <a:off x="0" y="0"/>
-          <a:ext cx="0" cy="0"/>
-          <a:chOff x="0" y="0"/>
-          <a:chExt cx="0" cy="0"/>
-        </a:xfrm>
-      </p:grpSpPr>
-      <p:sp>
-        <p:nvSpPr>
-          <p:cNvPr id="2" name="Title 1">
-            <a:extLst>
-              <a:ext uri="{FF2B5EF4-FFF2-40B4-BE49-F238E27FC236}">
                 <a16:creationId xmlns:a16="http://schemas.microsoft.com/office/drawing/2014/main" id="{0C93E744-A8F9-0347-9DF8-AD28DFC484E2}"/>
               </a:ext>
             </a:extLst>
@@ -6064,7 +5951,7 @@
 </p:sld>
 </file>
 
-<file path=ppt/slides/slide12.xml><?xml version="1.0" encoding="utf-8"?>
+<file path=ppt/slides/slide11.xml><?xml version="1.0" encoding="utf-8"?>
 <p:sld xmlns:a="http://schemas.openxmlformats.org/drawingml/2006/main" xmlns:r="http://schemas.openxmlformats.org/officeDocument/2006/relationships" xmlns:p="http://schemas.openxmlformats.org/presentationml/2006/main">
   <p:cSld>
     <p:spTree>
@@ -6181,7 +6068,7 @@
 </p:sld>
 </file>
 
-<file path=ppt/slides/slide13.xml><?xml version="1.0" encoding="utf-8"?>
+<file path=ppt/slides/slide12.xml><?xml version="1.0" encoding="utf-8"?>
 <p:sld xmlns:a="http://schemas.openxmlformats.org/drawingml/2006/main" xmlns:r="http://schemas.openxmlformats.org/officeDocument/2006/relationships" xmlns:p="http://schemas.openxmlformats.org/presentationml/2006/main">
   <p:cSld>
     <p:spTree>
@@ -6277,7 +6164,7 @@
 </p:sld>
 </file>
 
-<file path=ppt/slides/slide14.xml><?xml version="1.0" encoding="utf-8"?>
+<file path=ppt/slides/slide13.xml><?xml version="1.0" encoding="utf-8"?>
 <p:sld xmlns:a="http://schemas.openxmlformats.org/drawingml/2006/main" xmlns:r="http://schemas.openxmlformats.org/officeDocument/2006/relationships" xmlns:p="http://schemas.openxmlformats.org/presentationml/2006/main">
   <p:cSld>
     <p:spTree>
@@ -6906,86 +6793,6 @@
           <p:cNvPr id="2" name="Title 1">
             <a:extLst>
               <a:ext uri="{FF2B5EF4-FFF2-40B4-BE49-F238E27FC236}">
-                <a16:creationId xmlns:a16="http://schemas.microsoft.com/office/drawing/2014/main" id="{021D0890-AF67-5A48-9C22-116156D58539}"/>
-              </a:ext>
-            </a:extLst>
-          </p:cNvPr>
-          <p:cNvSpPr>
-            <a:spLocks noGrp="1"/>
-          </p:cNvSpPr>
-          <p:nvPr>
-            <p:ph type="title"/>
-          </p:nvPr>
-        </p:nvSpPr>
-        <p:spPr/>
-        <p:txBody>
-          <a:bodyPr/>
-          <a:lstStyle/>
-          <a:p>
-            <a:endParaRPr lang="en-US"/>
-          </a:p>
-        </p:txBody>
-      </p:sp>
-      <p:sp>
-        <p:nvSpPr>
-          <p:cNvPr id="3" name="Content Placeholder 2">
-            <a:extLst>
-              <a:ext uri="{FF2B5EF4-FFF2-40B4-BE49-F238E27FC236}">
-                <a16:creationId xmlns:a16="http://schemas.microsoft.com/office/drawing/2014/main" id="{260C0ACD-82C2-3C43-BAE9-233A11637B5D}"/>
-              </a:ext>
-            </a:extLst>
-          </p:cNvPr>
-          <p:cNvSpPr>
-            <a:spLocks noGrp="1"/>
-          </p:cNvSpPr>
-          <p:nvPr>
-            <p:ph idx="1"/>
-          </p:nvPr>
-        </p:nvSpPr>
-        <p:spPr/>
-        <p:txBody>
-          <a:bodyPr/>
-          <a:lstStyle/>
-          <a:p>
-            <a:endParaRPr lang="en-US"/>
-          </a:p>
-        </p:txBody>
-      </p:sp>
-    </p:spTree>
-    <p:extLst>
-      <p:ext uri="{BB962C8B-B14F-4D97-AF65-F5344CB8AC3E}">
-        <p14:creationId xmlns:p14="http://schemas.microsoft.com/office/powerpoint/2010/main" val="1608555488"/>
-      </p:ext>
-    </p:extLst>
-  </p:cSld>
-  <p:clrMapOvr>
-    <a:masterClrMapping/>
-  </p:clrMapOvr>
-</p:sld>
-</file>
-
-<file path=ppt/slides/slide7.xml><?xml version="1.0" encoding="utf-8"?>
-<p:sld xmlns:a="http://schemas.openxmlformats.org/drawingml/2006/main" xmlns:r="http://schemas.openxmlformats.org/officeDocument/2006/relationships" xmlns:p="http://schemas.openxmlformats.org/presentationml/2006/main">
-  <p:cSld>
-    <p:spTree>
-      <p:nvGrpSpPr>
-        <p:cNvPr id="1" name=""/>
-        <p:cNvGrpSpPr/>
-        <p:nvPr/>
-      </p:nvGrpSpPr>
-      <p:grpSpPr>
-        <a:xfrm>
-          <a:off x="0" y="0"/>
-          <a:ext cx="0" cy="0"/>
-          <a:chOff x="0" y="0"/>
-          <a:chExt cx="0" cy="0"/>
-        </a:xfrm>
-      </p:grpSpPr>
-      <p:sp>
-        <p:nvSpPr>
-          <p:cNvPr id="2" name="Title 1">
-            <a:extLst>
-              <a:ext uri="{FF2B5EF4-FFF2-40B4-BE49-F238E27FC236}">
                 <a16:creationId xmlns:a16="http://schemas.microsoft.com/office/drawing/2014/main" id="{4AD8FBEB-0233-274D-8DD8-D8C48B221318}"/>
               </a:ext>
             </a:extLst>
@@ -7108,7 +6915,7 @@
 </p:sld>
 </file>
 
-<file path=ppt/slides/slide8.xml><?xml version="1.0" encoding="utf-8"?>
+<file path=ppt/slides/slide7.xml><?xml version="1.0" encoding="utf-8"?>
 <p:sld xmlns:a="http://schemas.openxmlformats.org/drawingml/2006/main" xmlns:r="http://schemas.openxmlformats.org/officeDocument/2006/relationships" xmlns:p="http://schemas.openxmlformats.org/presentationml/2006/main">
   <p:cSld>
     <p:spTree>
@@ -7239,7 +7046,7 @@
 </p:sld>
 </file>
 
-<file path=ppt/slides/slide9.xml><?xml version="1.0" encoding="utf-8"?>
+<file path=ppt/slides/slide8.xml><?xml version="1.0" encoding="utf-8"?>
 <p:sld xmlns:a="http://schemas.openxmlformats.org/drawingml/2006/main" xmlns:r="http://schemas.openxmlformats.org/officeDocument/2006/relationships" xmlns:p="http://schemas.openxmlformats.org/presentationml/2006/main">
   <p:cSld>
     <p:spTree>
@@ -7323,6 +7130,123 @@
     <p:extLst>
       <p:ext uri="{BB962C8B-B14F-4D97-AF65-F5344CB8AC3E}">
         <p14:creationId xmlns:p14="http://schemas.microsoft.com/office/powerpoint/2010/main" val="1997061807"/>
+      </p:ext>
+    </p:extLst>
+  </p:cSld>
+  <p:clrMapOvr>
+    <a:masterClrMapping/>
+  </p:clrMapOvr>
+</p:sld>
+</file>
+
+<file path=ppt/slides/slide9.xml><?xml version="1.0" encoding="utf-8"?>
+<p:sld xmlns:a="http://schemas.openxmlformats.org/drawingml/2006/main" xmlns:r="http://schemas.openxmlformats.org/officeDocument/2006/relationships" xmlns:p="http://schemas.openxmlformats.org/presentationml/2006/main">
+  <p:cSld>
+    <p:spTree>
+      <p:nvGrpSpPr>
+        <p:cNvPr id="1" name=""/>
+        <p:cNvGrpSpPr/>
+        <p:nvPr/>
+      </p:nvGrpSpPr>
+      <p:grpSpPr>
+        <a:xfrm>
+          <a:off x="0" y="0"/>
+          <a:ext cx="0" cy="0"/>
+          <a:chOff x="0" y="0"/>
+          <a:chExt cx="0" cy="0"/>
+        </a:xfrm>
+      </p:grpSpPr>
+      <p:sp>
+        <p:nvSpPr>
+          <p:cNvPr id="2" name="Title 1">
+            <a:extLst>
+              <a:ext uri="{FF2B5EF4-FFF2-40B4-BE49-F238E27FC236}">
+                <a16:creationId xmlns:a16="http://schemas.microsoft.com/office/drawing/2014/main" id="{7B86D139-0248-1F4C-AEFA-5E9F866B4422}"/>
+              </a:ext>
+            </a:extLst>
+          </p:cNvPr>
+          <p:cNvSpPr>
+            <a:spLocks noGrp="1"/>
+          </p:cNvSpPr>
+          <p:nvPr>
+            <p:ph type="title"/>
+          </p:nvPr>
+        </p:nvSpPr>
+        <p:spPr/>
+        <p:txBody>
+          <a:bodyPr/>
+          <a:lstStyle/>
+          <a:p>
+            <a:r>
+              <a:rPr lang="en-US" dirty="0"/>
+              <a:t>CONVERT TYPE, EXTRACT NEW COLUMNS</a:t>
+            </a:r>
+          </a:p>
+        </p:txBody>
+      </p:sp>
+      <p:pic>
+        <p:nvPicPr>
+          <p:cNvPr id="5" name="Content Placeholder 4" descr="A picture containing drawing&#10;&#10;Description automatically generated">
+            <a:extLst>
+              <a:ext uri="{FF2B5EF4-FFF2-40B4-BE49-F238E27FC236}">
+                <a16:creationId xmlns:a16="http://schemas.microsoft.com/office/drawing/2014/main" id="{0DF6241D-1D7D-324D-B95B-D5BFCF5A6A8A}"/>
+              </a:ext>
+            </a:extLst>
+          </p:cNvPr>
+          <p:cNvPicPr>
+            <a:picLocks noGrp="1" noChangeAspect="1"/>
+          </p:cNvPicPr>
+          <p:nvPr>
+            <p:ph idx="1"/>
+          </p:nvPr>
+        </p:nvPicPr>
+        <p:blipFill>
+          <a:blip r:embed="rId2"/>
+          <a:stretch>
+            <a:fillRect/>
+          </a:stretch>
+        </p:blipFill>
+        <p:spPr>
+          <a:xfrm>
+            <a:off x="685801" y="2628251"/>
+            <a:ext cx="4744351" cy="2885858"/>
+          </a:xfrm>
+        </p:spPr>
+      </p:pic>
+      <p:pic>
+        <p:nvPicPr>
+          <p:cNvPr id="7" name="Picture 6" descr="A screenshot of a cell phone&#10;&#10;Description automatically generated">
+            <a:extLst>
+              <a:ext uri="{FF2B5EF4-FFF2-40B4-BE49-F238E27FC236}">
+                <a16:creationId xmlns:a16="http://schemas.microsoft.com/office/drawing/2014/main" id="{0CA1E8E6-FF3C-2E4B-AF93-52FC77B64F84}"/>
+              </a:ext>
+            </a:extLst>
+          </p:cNvPr>
+          <p:cNvPicPr>
+            <a:picLocks noChangeAspect="1"/>
+          </p:cNvPicPr>
+          <p:nvPr/>
+        </p:nvPicPr>
+        <p:blipFill>
+          <a:blip r:embed="rId3"/>
+          <a:stretch>
+            <a:fillRect/>
+          </a:stretch>
+        </p:blipFill>
+        <p:spPr>
+          <a:xfrm>
+            <a:off x="6289964" y="2617127"/>
+            <a:ext cx="4527262" cy="2966548"/>
+          </a:xfrm>
+          <a:prstGeom prst="rect">
+            <a:avLst/>
+          </a:prstGeom>
+        </p:spPr>
+      </p:pic>
+    </p:spTree>
+    <p:extLst>
+      <p:ext uri="{BB962C8B-B14F-4D97-AF65-F5344CB8AC3E}">
+        <p14:creationId xmlns:p14="http://schemas.microsoft.com/office/powerpoint/2010/main" val="3291541513"/>
       </p:ext>
     </p:extLst>
   </p:cSld>
